--- a/7、第七次课/日志.pptx
+++ b/7、第七次课/日志.pptx
@@ -141,6 +141,11 @@
       </a:defRPr>
     </a:lvl9pPr>
   </p:defaultTextStyle>
+  <p:extLst>
+    <p:ext uri="{EFAFB233-063F-42B5-8137-9DF3F51BA10A}">
+      <p15:sldGuideLst xmlns:p15="http://schemas.microsoft.com/office/powerpoint/2012/main"/>
+    </p:ext>
+  </p:extLst>
 </p:presentation>
 </file>
 
@@ -291,7 +296,7 @@
           <a:p>
             <a:fld id="{B35E7BE3-2E48-4F30-B7BC-7BB0B1FC9DF0}" type="datetimeFigureOut">
               <a:rPr lang="zh-CN" altLang="en-US" smtClean="0"/>
-              <a:t>2019/5/17</a:t>
+              <a:t>2019/6/2</a:t>
             </a:fld>
             <a:endParaRPr lang="zh-CN" altLang="en-US"/>
           </a:p>
@@ -489,7 +494,7 @@
           <a:p>
             <a:fld id="{B35E7BE3-2E48-4F30-B7BC-7BB0B1FC9DF0}" type="datetimeFigureOut">
               <a:rPr lang="zh-CN" altLang="en-US" smtClean="0"/>
-              <a:t>2019/5/17</a:t>
+              <a:t>2019/6/2</a:t>
             </a:fld>
             <a:endParaRPr lang="zh-CN" altLang="en-US"/>
           </a:p>
@@ -697,7 +702,7 @@
           <a:p>
             <a:fld id="{B35E7BE3-2E48-4F30-B7BC-7BB0B1FC9DF0}" type="datetimeFigureOut">
               <a:rPr lang="zh-CN" altLang="en-US" smtClean="0"/>
-              <a:t>2019/5/17</a:t>
+              <a:t>2019/6/2</a:t>
             </a:fld>
             <a:endParaRPr lang="zh-CN" altLang="en-US"/>
           </a:p>
@@ -895,7 +900,7 @@
           <a:p>
             <a:fld id="{B35E7BE3-2E48-4F30-B7BC-7BB0B1FC9DF0}" type="datetimeFigureOut">
               <a:rPr lang="zh-CN" altLang="en-US" smtClean="0"/>
-              <a:t>2019/5/17</a:t>
+              <a:t>2019/6/2</a:t>
             </a:fld>
             <a:endParaRPr lang="zh-CN" altLang="en-US"/>
           </a:p>
@@ -1170,7 +1175,7 @@
           <a:p>
             <a:fld id="{B35E7BE3-2E48-4F30-B7BC-7BB0B1FC9DF0}" type="datetimeFigureOut">
               <a:rPr lang="zh-CN" altLang="en-US" smtClean="0"/>
-              <a:t>2019/5/17</a:t>
+              <a:t>2019/6/2</a:t>
             </a:fld>
             <a:endParaRPr lang="zh-CN" altLang="en-US"/>
           </a:p>
@@ -1435,7 +1440,7 @@
           <a:p>
             <a:fld id="{B35E7BE3-2E48-4F30-B7BC-7BB0B1FC9DF0}" type="datetimeFigureOut">
               <a:rPr lang="zh-CN" altLang="en-US" smtClean="0"/>
-              <a:t>2019/5/17</a:t>
+              <a:t>2019/6/2</a:t>
             </a:fld>
             <a:endParaRPr lang="zh-CN" altLang="en-US"/>
           </a:p>
@@ -1847,7 +1852,7 @@
           <a:p>
             <a:fld id="{B35E7BE3-2E48-4F30-B7BC-7BB0B1FC9DF0}" type="datetimeFigureOut">
               <a:rPr lang="zh-CN" altLang="en-US" smtClean="0"/>
-              <a:t>2019/5/17</a:t>
+              <a:t>2019/6/2</a:t>
             </a:fld>
             <a:endParaRPr lang="zh-CN" altLang="en-US"/>
           </a:p>
@@ -1988,7 +1993,7 @@
           <a:p>
             <a:fld id="{B35E7BE3-2E48-4F30-B7BC-7BB0B1FC9DF0}" type="datetimeFigureOut">
               <a:rPr lang="zh-CN" altLang="en-US" smtClean="0"/>
-              <a:t>2019/5/17</a:t>
+              <a:t>2019/6/2</a:t>
             </a:fld>
             <a:endParaRPr lang="zh-CN" altLang="en-US"/>
           </a:p>
@@ -2101,7 +2106,7 @@
           <a:p>
             <a:fld id="{B35E7BE3-2E48-4F30-B7BC-7BB0B1FC9DF0}" type="datetimeFigureOut">
               <a:rPr lang="zh-CN" altLang="en-US" smtClean="0"/>
-              <a:t>2019/5/17</a:t>
+              <a:t>2019/6/2</a:t>
             </a:fld>
             <a:endParaRPr lang="zh-CN" altLang="en-US"/>
           </a:p>
@@ -2412,7 +2417,7 @@
           <a:p>
             <a:fld id="{B35E7BE3-2E48-4F30-B7BC-7BB0B1FC9DF0}" type="datetimeFigureOut">
               <a:rPr lang="zh-CN" altLang="en-US" smtClean="0"/>
-              <a:t>2019/5/17</a:t>
+              <a:t>2019/6/2</a:t>
             </a:fld>
             <a:endParaRPr lang="zh-CN" altLang="en-US"/>
           </a:p>
@@ -2700,7 +2705,7 @@
           <a:p>
             <a:fld id="{B35E7BE3-2E48-4F30-B7BC-7BB0B1FC9DF0}" type="datetimeFigureOut">
               <a:rPr lang="zh-CN" altLang="en-US" smtClean="0"/>
-              <a:t>2019/5/17</a:t>
+              <a:t>2019/6/2</a:t>
             </a:fld>
             <a:endParaRPr lang="zh-CN" altLang="en-US"/>
           </a:p>
@@ -2941,7 +2946,7 @@
           <a:p>
             <a:fld id="{B35E7BE3-2E48-4F30-B7BC-7BB0B1FC9DF0}" type="datetimeFigureOut">
               <a:rPr lang="zh-CN" altLang="en-US" smtClean="0"/>
-              <a:t>2019/5/17</a:t>
+              <a:t>2019/6/2</a:t>
             </a:fld>
             <a:endParaRPr lang="zh-CN" altLang="en-US"/>
           </a:p>
